--- a/figs/fig4.pptx
+++ b/figs/fig4.pptx
@@ -257,7 +257,7 @@
       </p15:sldGuideLst>
     </p:ext>
     <p:ext uri="http://customooxmlschemas.google.com/">
-      <go:slidesCustomData xmlns:go="http://customooxmlschemas.google.com/" xmlns:ahyp="http://schemas.microsoft.com/office/drawing/2018/hyperlinkcolor" xmlns:p15="http://schemas.microsoft.com/office/powerpoint/2012/main" xmlns:p14="http://schemas.microsoft.com/office/powerpoint/2010/main" xmlns:com="http://schemas.openxmlformats.org/drawingml/2006/compatibility" xmlns:pvml="urn:schemas-microsoft-com:office:powerpoint" xmlns:v="urn:schemas-microsoft-com:vml" xmlns:o="urn:schemas-microsoft-com:office:office" xmlns:dgm="http://schemas.openxmlformats.org/drawingml/2006/diagram" xmlns:c="http://schemas.openxmlformats.org/drawingml/2006/chart" xmlns:mv="urn:schemas-microsoft-com:mac:vml" xmlns:mc="http://schemas.openxmlformats.org/markup-compatibility/2006" xmlns="" r:id="rId10" roundtripDataSignature="AMtx7mhiytGPk8UOxiAGs9KaAxakDbg4SQ=="/>
+      <go:slidesCustomData xmlns="" xmlns:mc="http://schemas.openxmlformats.org/markup-compatibility/2006" xmlns:mv="urn:schemas-microsoft-com:mac:vml" xmlns:c="http://schemas.openxmlformats.org/drawingml/2006/chart" xmlns:dgm="http://schemas.openxmlformats.org/drawingml/2006/diagram" xmlns:o="urn:schemas-microsoft-com:office:office" xmlns:v="urn:schemas-microsoft-com:vml" xmlns:pvml="urn:schemas-microsoft-com:office:powerpoint" xmlns:com="http://schemas.openxmlformats.org/drawingml/2006/compatibility" xmlns:p14="http://schemas.microsoft.com/office/powerpoint/2010/main" xmlns:p15="http://schemas.microsoft.com/office/powerpoint/2012/main" xmlns:ahyp="http://schemas.microsoft.com/office/drawing/2018/hyperlinkcolor" xmlns:go="http://customooxmlschemas.google.com/" r:id="rId10" roundtripDataSignature="AMtx7mhiytGPk8UOxiAGs9KaAxakDbg4SQ=="/>
     </p:ext>
   </p:extLst>
 </p:presentation>
@@ -13357,6 +13357,281 @@
           </a:prstGeom>
         </p:spPr>
       </p:pic>
+      <p:sp>
+        <p:nvSpPr>
+          <p:cNvPr id="4" name="TextBox 1">
+            <a:extLst>
+              <a:ext uri="{FF2B5EF4-FFF2-40B4-BE49-F238E27FC236}">
+                <a16:creationId xmlns:a16="http://schemas.microsoft.com/office/drawing/2014/main" id="{ED12A03F-BA88-D653-05F3-E296702E73CD}"/>
+              </a:ext>
+            </a:extLst>
+          </p:cNvPr>
+          <p:cNvSpPr txBox="1"/>
+          <p:nvPr/>
+        </p:nvSpPr>
+        <p:spPr>
+          <a:xfrm>
+            <a:off x="19397844" y="12370861"/>
+            <a:ext cx="5346700" cy="738664"/>
+          </a:xfrm>
+          <a:prstGeom prst="rect">
+            <a:avLst/>
+          </a:prstGeom>
+          <a:noFill/>
+        </p:spPr>
+        <p:txBody>
+          <a:bodyPr wrap="square" rtlCol="0">
+            <a:spAutoFit/>
+          </a:bodyPr>
+          <a:lstStyle>
+            <a:defPPr marR="0" lvl="0" algn="l" rtl="0">
+              <a:lnSpc>
+                <a:spcPct val="100000"/>
+              </a:lnSpc>
+              <a:spcBef>
+                <a:spcPts val="0"/>
+              </a:spcBef>
+              <a:spcAft>
+                <a:spcPts val="0"/>
+              </a:spcAft>
+            </a:defPPr>
+            <a:lvl1pPr marR="0" lvl="0" algn="l" rtl="0">
+              <a:lnSpc>
+                <a:spcPct val="100000"/>
+              </a:lnSpc>
+              <a:spcBef>
+                <a:spcPts val="0"/>
+              </a:spcBef>
+              <a:spcAft>
+                <a:spcPts val="0"/>
+              </a:spcAft>
+              <a:buClr>
+                <a:srgbClr val="000000"/>
+              </a:buClr>
+              <a:buFont typeface="Arial"/>
+              <a:defRPr sz="1400" b="0" i="0" u="none" strike="noStrike" cap="none">
+                <a:solidFill>
+                  <a:srgbClr val="000000"/>
+                </a:solidFill>
+                <a:latin typeface="Arial"/>
+                <a:ea typeface="Arial"/>
+                <a:cs typeface="Arial"/>
+                <a:sym typeface="Arial"/>
+              </a:defRPr>
+            </a:lvl1pPr>
+            <a:lvl2pPr marR="0" lvl="1" algn="l" rtl="0">
+              <a:lnSpc>
+                <a:spcPct val="100000"/>
+              </a:lnSpc>
+              <a:spcBef>
+                <a:spcPts val="0"/>
+              </a:spcBef>
+              <a:spcAft>
+                <a:spcPts val="0"/>
+              </a:spcAft>
+              <a:buClr>
+                <a:srgbClr val="000000"/>
+              </a:buClr>
+              <a:buFont typeface="Arial"/>
+              <a:defRPr sz="1400" b="0" i="0" u="none" strike="noStrike" cap="none">
+                <a:solidFill>
+                  <a:srgbClr val="000000"/>
+                </a:solidFill>
+                <a:latin typeface="Arial"/>
+                <a:ea typeface="Arial"/>
+                <a:cs typeface="Arial"/>
+                <a:sym typeface="Arial"/>
+              </a:defRPr>
+            </a:lvl2pPr>
+            <a:lvl3pPr marR="0" lvl="2" algn="l" rtl="0">
+              <a:lnSpc>
+                <a:spcPct val="100000"/>
+              </a:lnSpc>
+              <a:spcBef>
+                <a:spcPts val="0"/>
+              </a:spcBef>
+              <a:spcAft>
+                <a:spcPts val="0"/>
+              </a:spcAft>
+              <a:buClr>
+                <a:srgbClr val="000000"/>
+              </a:buClr>
+              <a:buFont typeface="Arial"/>
+              <a:defRPr sz="1400" b="0" i="0" u="none" strike="noStrike" cap="none">
+                <a:solidFill>
+                  <a:srgbClr val="000000"/>
+                </a:solidFill>
+                <a:latin typeface="Arial"/>
+                <a:ea typeface="Arial"/>
+                <a:cs typeface="Arial"/>
+                <a:sym typeface="Arial"/>
+              </a:defRPr>
+            </a:lvl3pPr>
+            <a:lvl4pPr marR="0" lvl="3" algn="l" rtl="0">
+              <a:lnSpc>
+                <a:spcPct val="100000"/>
+              </a:lnSpc>
+              <a:spcBef>
+                <a:spcPts val="0"/>
+              </a:spcBef>
+              <a:spcAft>
+                <a:spcPts val="0"/>
+              </a:spcAft>
+              <a:buClr>
+                <a:srgbClr val="000000"/>
+              </a:buClr>
+              <a:buFont typeface="Arial"/>
+              <a:defRPr sz="1400" b="0" i="0" u="none" strike="noStrike" cap="none">
+                <a:solidFill>
+                  <a:srgbClr val="000000"/>
+                </a:solidFill>
+                <a:latin typeface="Arial"/>
+                <a:ea typeface="Arial"/>
+                <a:cs typeface="Arial"/>
+                <a:sym typeface="Arial"/>
+              </a:defRPr>
+            </a:lvl4pPr>
+            <a:lvl5pPr marR="0" lvl="4" algn="l" rtl="0">
+              <a:lnSpc>
+                <a:spcPct val="100000"/>
+              </a:lnSpc>
+              <a:spcBef>
+                <a:spcPts val="0"/>
+              </a:spcBef>
+              <a:spcAft>
+                <a:spcPts val="0"/>
+              </a:spcAft>
+              <a:buClr>
+                <a:srgbClr val="000000"/>
+              </a:buClr>
+              <a:buFont typeface="Arial"/>
+              <a:defRPr sz="1400" b="0" i="0" u="none" strike="noStrike" cap="none">
+                <a:solidFill>
+                  <a:srgbClr val="000000"/>
+                </a:solidFill>
+                <a:latin typeface="Arial"/>
+                <a:ea typeface="Arial"/>
+                <a:cs typeface="Arial"/>
+                <a:sym typeface="Arial"/>
+              </a:defRPr>
+            </a:lvl5pPr>
+            <a:lvl6pPr marR="0" lvl="5" algn="l" rtl="0">
+              <a:lnSpc>
+                <a:spcPct val="100000"/>
+              </a:lnSpc>
+              <a:spcBef>
+                <a:spcPts val="0"/>
+              </a:spcBef>
+              <a:spcAft>
+                <a:spcPts val="0"/>
+              </a:spcAft>
+              <a:buClr>
+                <a:srgbClr val="000000"/>
+              </a:buClr>
+              <a:buFont typeface="Arial"/>
+              <a:defRPr sz="1400" b="0" i="0" u="none" strike="noStrike" cap="none">
+                <a:solidFill>
+                  <a:srgbClr val="000000"/>
+                </a:solidFill>
+                <a:latin typeface="Arial"/>
+                <a:ea typeface="Arial"/>
+                <a:cs typeface="Arial"/>
+                <a:sym typeface="Arial"/>
+              </a:defRPr>
+            </a:lvl6pPr>
+            <a:lvl7pPr marR="0" lvl="6" algn="l" rtl="0">
+              <a:lnSpc>
+                <a:spcPct val="100000"/>
+              </a:lnSpc>
+              <a:spcBef>
+                <a:spcPts val="0"/>
+              </a:spcBef>
+              <a:spcAft>
+                <a:spcPts val="0"/>
+              </a:spcAft>
+              <a:buClr>
+                <a:srgbClr val="000000"/>
+              </a:buClr>
+              <a:buFont typeface="Arial"/>
+              <a:defRPr sz="1400" b="0" i="0" u="none" strike="noStrike" cap="none">
+                <a:solidFill>
+                  <a:srgbClr val="000000"/>
+                </a:solidFill>
+                <a:latin typeface="Arial"/>
+                <a:ea typeface="Arial"/>
+                <a:cs typeface="Arial"/>
+                <a:sym typeface="Arial"/>
+              </a:defRPr>
+            </a:lvl7pPr>
+            <a:lvl8pPr marR="0" lvl="7" algn="l" rtl="0">
+              <a:lnSpc>
+                <a:spcPct val="100000"/>
+              </a:lnSpc>
+              <a:spcBef>
+                <a:spcPts val="0"/>
+              </a:spcBef>
+              <a:spcAft>
+                <a:spcPts val="0"/>
+              </a:spcAft>
+              <a:buClr>
+                <a:srgbClr val="000000"/>
+              </a:buClr>
+              <a:buFont typeface="Arial"/>
+              <a:defRPr sz="1400" b="0" i="0" u="none" strike="noStrike" cap="none">
+                <a:solidFill>
+                  <a:srgbClr val="000000"/>
+                </a:solidFill>
+                <a:latin typeface="Arial"/>
+                <a:ea typeface="Arial"/>
+                <a:cs typeface="Arial"/>
+                <a:sym typeface="Arial"/>
+              </a:defRPr>
+            </a:lvl8pPr>
+            <a:lvl9pPr marR="0" lvl="8" algn="l" rtl="0">
+              <a:lnSpc>
+                <a:spcPct val="100000"/>
+              </a:lnSpc>
+              <a:spcBef>
+                <a:spcPts val="0"/>
+              </a:spcBef>
+              <a:spcAft>
+                <a:spcPts val="0"/>
+              </a:spcAft>
+              <a:buClr>
+                <a:srgbClr val="000000"/>
+              </a:buClr>
+              <a:buFont typeface="Arial"/>
+              <a:defRPr sz="1400" b="0" i="0" u="none" strike="noStrike" cap="none">
+                <a:solidFill>
+                  <a:srgbClr val="000000"/>
+                </a:solidFill>
+                <a:latin typeface="Arial"/>
+                <a:ea typeface="Arial"/>
+                <a:cs typeface="Arial"/>
+                <a:sym typeface="Arial"/>
+              </a:defRPr>
+            </a:lvl9pPr>
+          </a:lstStyle>
+          <a:p>
+            <a:r>
+              <a:rPr lang="en-US" dirty="0"/>
+              <a:t>Deer mouse:</a:t>
+            </a:r>
+          </a:p>
+          <a:p>
+            <a:r>
+              <a:rPr lang="en-US" dirty="0"/>
+              <a:t>Edwin Price</a:t>
+            </a:r>
+          </a:p>
+          <a:p>
+            <a:r>
+              <a:rPr lang="en-US" dirty="0"/>
+              <a:t>https://creativecommons.org/licenses/by/4.0/</a:t>
+            </a:r>
+          </a:p>
+        </p:txBody>
+      </p:sp>
     </p:spTree>
   </p:cSld>
   <p:clrMapOvr>
